--- a/00_DBLBA - course outline/00_DBLBA__Course_Outline.pptx
+++ b/00_DBLBA - course outline/00_DBLBA__Course_Outline.pptx
@@ -5572,13 +5572,21 @@
         </p:spPr>
         <p:txBody>
           <a:bodyPr>
-            <a:normAutofit fontScale="77500" lnSpcReduction="20000"/>
+            <a:normAutofit fontScale="70000" lnSpcReduction="20000"/>
           </a:bodyPr>
           <a:lstStyle/>
           <a:p>
             <a:r>
               <a:rPr lang="en-US" sz="3000" dirty="0"/>
-              <a:t>Assessment: three </a:t>
+              <a:t>Assessment: one </a:t>
+            </a:r>
+            <a:r>
+              <a:rPr lang="en-US" sz="3000" i="1" dirty="0"/>
+              <a:t>individual</a:t>
+            </a:r>
+            <a:r>
+              <a:rPr lang="en-US" sz="3000" dirty="0"/>
+              <a:t> (written) test, three </a:t>
             </a:r>
             <a:r>
               <a:rPr lang="en-US" sz="3000" i="1" dirty="0"/>
@@ -5596,7 +5604,7 @@
           <a:p>
             <a:r>
               <a:rPr lang="en-US" sz="3000" dirty="0"/>
-              <a:t>Ad-hoc team problems scenario: each team gets (blindfoldedly) a problem (SQL, PL/SQL, triggers) which must be solved “on site” within approx. 45 minutes (in many cases scripts for table creation/loading will be available);  the lab coordinator will discuss with each team and provide basic help (when solutions get horrible wrong); during the preparation of the solutions, team members are allowed to access the course resources, including internet references (except for messaging, social networks...)</a:t>
+              <a:t>Ad-hoc team problems scenario: each team gets (blindfoldedly) a problem (SQL, PL/SQL, triggers) which must be solved “on site” in a given interval (45 -90 minutes); in many cases scripts for table creation/loading will be available;  the lab coordinator will discuss with each team and provide basic help (when solutions get horrible wrong); during the preparation of the solutions, team members are allowed to access the course resources, including internet references (except for messaging, social networks...)</a:t>
             </a:r>
           </a:p>
           <a:p>
@@ -5710,7 +5718,7 @@
           <a:p>
             <a:r>
               <a:rPr lang="en-US" sz="3000" dirty="0"/>
-              <a:t>Each team will choose an interval (usually 45 minutes for the ad-hoc team problems and 15-20 minutes for a project section) for presentation/assessment</a:t>
+              <a:t>In the case of the project parts, each team will choose an interval (usually 15-20 minutes for a project section) for presentation/assessment</a:t>
             </a:r>
           </a:p>
           <a:p>
@@ -5722,13 +5730,7 @@
           <a:p>
             <a:r>
               <a:rPr lang="en-US" sz="3000" dirty="0"/>
-              <a:t>Usually, for every ad-hoc probles and project part/section, each team receives from the assessors a number of points (e.g. 25 points out of 30); this includes presentation performance</a:t>
-            </a:r>
-          </a:p>
-          <a:p>
-            <a:r>
-              <a:rPr lang="en-US" sz="3000" dirty="0"/>
-              <a:t>Points will be split among team members (by them, according to their supposed contribution)</a:t>
+              <a:t>Usually, for every ad-hoc problem and project part/section, each team receives from the assessors a number of points (e.g. 25 points out of 30); this includes presentation performance; points will be split among team members (by them, according to their supposed contribution)</a:t>
             </a:r>
           </a:p>
           <a:p>
@@ -6937,7 +6939,7 @@
         </p:spPr>
         <p:txBody>
           <a:bodyPr>
-            <a:normAutofit lnSpcReduction="10000"/>
+            <a:normAutofit fontScale="92500" lnSpcReduction="10000"/>
           </a:bodyPr>
           <a:lstStyle/>
           <a:p>
@@ -6962,7 +6964,7 @@
           <a:p>
             <a:r>
               <a:rPr lang="en-US" sz="3000" dirty="0"/>
-              <a:t>Apparently, course/lab attendance is not compulsory</a:t>
+              <a:t>Apparently, course/lab attendance is not compulsory; we strongly suggest you to participate and to be involved for a better preparation of test, assessments and project.</a:t>
             </a:r>
           </a:p>
           <a:p>
@@ -6974,16 +6976,21 @@
           <a:p>
             <a:r>
               <a:rPr lang="en-US" sz="3000" dirty="0"/>
-              <a:t>Labs dedicated to real-problems solving, tests preparation, homework/test/project </a:t>
+              <a:t>Labs dedicated to real-problems solving, </a:t>
             </a:r>
             <a:r>
               <a:rPr lang="en-US" sz="3000" dirty="0" err="1"/>
-              <a:t>assessement</a:t>
+              <a:t>tets</a:t>
             </a:r>
             <a:r>
               <a:rPr lang="en-US" sz="3000" dirty="0"/>
-              <a:t> and feedback,</a:t>
-            </a:r>
+              <a:t> preparation, </a:t>
+            </a:r>
+            <a:r>
+              <a:rPr lang="en-US" sz="3000"/>
+              <a:t>team assessment and feedback</a:t>
+            </a:r>
+            <a:endParaRPr lang="en-US" sz="3000" dirty="0"/>
           </a:p>
         </p:txBody>
       </p:sp>
@@ -7267,14 +7274,14 @@
           <a:effectLst/>
           <a:extLst>
             <a:ext uri="{909E8E84-426E-40dd-AFC4-6F175D3DCCD1}">
-              <a14:hiddenFill xmlns:a14="http://schemas.microsoft.com/office/drawing/2010/main" xmlns="">
+              <a14:hiddenFill xmlns="" xmlns:a14="http://schemas.microsoft.com/office/drawing/2010/main">
                 <a:solidFill>
                   <a:schemeClr val="accent1"/>
                 </a:solidFill>
               </a14:hiddenFill>
             </a:ext>
             <a:ext uri="{91240B29-F687-4f45-9708-019B960494DF}">
-              <a14:hiddenLine xmlns:a14="http://schemas.microsoft.com/office/drawing/2010/main" xmlns="" w="9525">
+              <a14:hiddenLine xmlns="" xmlns:a14="http://schemas.microsoft.com/office/drawing/2010/main" w="9525">
                 <a:solidFill>
                   <a:schemeClr val="tx1"/>
                 </a:solidFill>
@@ -7284,7 +7291,7 @@
               </a14:hiddenLine>
             </a:ext>
             <a:ext uri="{AF507438-7753-43e0-B8FC-AC1667EBCBE1}">
-              <a14:hiddenEffects xmlns:a14="http://schemas.microsoft.com/office/drawing/2010/main" xmlns="">
+              <a14:hiddenEffects xmlns="" xmlns:a14="http://schemas.microsoft.com/office/drawing/2010/main">
                 <a:effectLst>
                   <a:outerShdw dist="35921" dir="2700000" algn="ctr" rotWithShape="0">
                     <a:schemeClr val="bg2"/>

--- a/00_DBLBA - course outline/00_DBLBA__Course_Outline.pptx
+++ b/00_DBLBA - course outline/00_DBLBA__Course_Outline.pptx
@@ -5604,13 +5604,13 @@
           <a:p>
             <a:r>
               <a:rPr lang="en-US" sz="3000" dirty="0"/>
-              <a:t>Ad-hoc team problems scenario: each team gets (blindfoldedly) a problem (SQL, PL/SQL, triggers) which must be solved “on site” in a given interval (45 -90 minutes); in many cases scripts for table creation/loading will be available;  the lab coordinator will discuss with each team and provide basic help (when solutions get horrible wrong); during the preparation of the solutions, team members are allowed to access the course resources, including internet references (except for messaging, social networks...)</a:t>
+              <a:t>Ad-hoc team problems scenario: each team gets (blindfoldedly) a problem (SQL, PL/SQL, triggers) which must be solved “on site” in a given interval (45 -90 minutes); in many cases scripts for table creation/loading will be provided;  the lab coordinator will discuss with each team and provide basic help (when solutions get horrible wrong); during the preparation of the solutions, team members are allowed to access the course resources, including internet references (except for messaging, social networks...)</a:t>
             </a:r>
           </a:p>
           <a:p>
             <a:r>
               <a:rPr lang="en-US" sz="3000" dirty="0"/>
-              <a:t>For the two-part project the team will design a database schema (part 1) for which all the database logic will be implemented in Oracle PL/SQL and APEX (part II); teams are free to choose a favorite subject/topic for the database schema and logic</a:t>
+              <a:t>For the two-part project the team will design a database schema (part 1) for which all the database logic will be implemented in Oracle PL/SQL (part II); teams are free to choose a favorite subject/topic for the database schema and logic</a:t>
             </a:r>
           </a:p>
           <a:p>
@@ -5718,7 +5718,7 @@
           <a:p>
             <a:r>
               <a:rPr lang="en-US" sz="3000" dirty="0"/>
-              <a:t>In the case of the project parts, each team will choose an interval (usually 15-20 minutes for a project section) for presentation/assessment</a:t>
+              <a:t>In the case of the project parts/sections, each team will choose an interval (usually 15-20 minutes for a project section) for presentation/assessment</a:t>
             </a:r>
           </a:p>
           <a:p>
@@ -5730,7 +5730,7 @@
           <a:p>
             <a:r>
               <a:rPr lang="en-US" sz="3000" dirty="0"/>
-              <a:t>Usually, for every ad-hoc problem and project part/section, each team receives from the assessors a number of points (e.g. 25 points out of 30); this includes presentation performance; points will be split among team members (by them, according to their supposed contribution)</a:t>
+              <a:t>Usually, for ad-hoc problems and project parts/sections, each team receives from the assessors a number of points (e.g. 25 points out of 30); this includes presentation performance; points will be split among team members (by them, according to their supposed contribution)</a:t>
             </a:r>
           </a:p>
           <a:p>
@@ -5826,7 +5826,7 @@
                 <a:ea typeface="Arial Unicode MS" panose="020B0604020202020204" pitchFamily="34" charset="-128"/>
                 <a:cs typeface="Arial Unicode MS" panose="020B0604020202020204" pitchFamily="34" charset="-128"/>
               </a:rPr>
-              <a:t>DBLBA/LBDAA Team</a:t>
+              <a:t>DBLBA/LBDAA Team (2019-2020)</a:t>
             </a:r>
           </a:p>
         </p:txBody>
@@ -5843,7 +5843,7 @@
         </p:nvSpPr>
         <p:spPr>
           <a:xfrm>
-            <a:off x="4253755" y="1003613"/>
+            <a:off x="2442990" y="2984194"/>
             <a:ext cx="2133600" cy="990600"/>
           </a:xfrm>
         </p:spPr>
@@ -5891,7 +5891,7 @@
         </p:nvSpPr>
         <p:spPr>
           <a:xfrm>
-            <a:off x="2027558" y="1335295"/>
+            <a:off x="2258411" y="1353318"/>
             <a:ext cx="1401818" cy="1524000"/>
           </a:xfrm>
           <a:prstGeom prst="rect">
@@ -6026,7 +6026,7 @@
         </p:blipFill>
         <p:spPr>
           <a:xfrm>
-            <a:off x="568907" y="1106220"/>
+            <a:off x="999857" y="1246442"/>
             <a:ext cx="1600200" cy="1539323"/>
           </a:xfrm>
           <a:prstGeom prst="rect">
@@ -6050,8 +6050,8 @@
         </p:blipFill>
         <p:spPr>
           <a:xfrm>
-            <a:off x="6539755" y="927413"/>
-            <a:ext cx="990600" cy="1344815"/>
+            <a:off x="4822507" y="2769348"/>
+            <a:ext cx="1269999" cy="1724120"/>
           </a:xfrm>
           <a:prstGeom prst="rect">
             <a:avLst/>
@@ -6068,7 +6068,7 @@
         </p:nvSpPr>
         <p:spPr>
           <a:xfrm>
-            <a:off x="6204737" y="5579589"/>
+            <a:off x="5581407" y="5515001"/>
             <a:ext cx="1325618" cy="1066800"/>
           </a:xfrm>
           <a:prstGeom prst="rect">
@@ -6158,7 +6158,7 @@
         </p:blipFill>
         <p:spPr>
           <a:xfrm>
-            <a:off x="7466641" y="4926281"/>
+            <a:off x="6843311" y="4861693"/>
             <a:ext cx="1600200" cy="1600200"/>
           </a:xfrm>
           <a:prstGeom prst="rect">
@@ -6206,7 +6206,7 @@
         </p:blipFill>
         <p:spPr>
           <a:xfrm>
-            <a:off x="6400800" y="2438400"/>
+            <a:off x="2534211" y="4861693"/>
             <a:ext cx="2131683" cy="1625600"/>
           </a:xfrm>
           <a:prstGeom prst="rect">
@@ -6224,7 +6224,7 @@
         </p:nvSpPr>
         <p:spPr>
           <a:xfrm>
-            <a:off x="4800600" y="2667000"/>
+            <a:off x="934011" y="5090293"/>
             <a:ext cx="1325618" cy="1066800"/>
           </a:xfrm>
           <a:prstGeom prst="rect">
@@ -6327,7 +6327,13 @@
       </p:sp>
       <p:sp>
         <p:nvSpPr>
-          <p:cNvPr id="16" name="Text Placeholder 2"/>
+          <p:cNvPr id="21" name="Text Placeholder 2">
+            <a:extLst>
+              <a:ext uri="{FF2B5EF4-FFF2-40B4-BE49-F238E27FC236}">
+                <a16:creationId xmlns:a16="http://schemas.microsoft.com/office/drawing/2014/main" id="{C2809CA4-AC78-C84E-9145-6A51C2C07841}"/>
+              </a:ext>
+            </a:extLst>
+          </p:cNvPr>
           <p:cNvSpPr txBox="1">
             <a:spLocks/>
           </p:cNvSpPr>
@@ -6335,324 +6341,7 @@
         </p:nvSpPr>
         <p:spPr>
           <a:xfrm>
-            <a:off x="1589695" y="5469577"/>
-            <a:ext cx="1325618" cy="1066800"/>
-          </a:xfrm>
-          <a:prstGeom prst="rect">
-            <a:avLst/>
-          </a:prstGeom>
-        </p:spPr>
-        <p:txBody>
-          <a:bodyPr>
-            <a:normAutofit fontScale="92500" lnSpcReduction="20000"/>
-          </a:bodyPr>
-          <a:lstStyle/>
-          <a:p>
-            <a:pPr marL="365760" marR="0" lvl="0" indent="-283464" algn="r" defTabSz="914400" rtl="0" eaLnBrk="1" fontAlgn="auto" latinLnBrk="0" hangingPunct="1">
-              <a:lnSpc>
-                <a:spcPct val="100000"/>
-              </a:lnSpc>
-              <a:spcBef>
-                <a:spcPts val="600"/>
-              </a:spcBef>
-              <a:spcAft>
-                <a:spcPts val="0"/>
-              </a:spcAft>
-              <a:buClr>
-                <a:schemeClr val="accent1"/>
-              </a:buClr>
-              <a:buSzPct val="80000"/>
-              <a:buNone/>
-              <a:tabLst/>
-              <a:defRPr/>
-            </a:pPr>
-            <a:r>
-              <a:rPr kumimoji="0" lang="ro-RO" sz="1600" b="1" i="0" u="none" strike="noStrike" kern="1200" cap="none" spc="0" normalizeH="0" baseline="0" noProof="0" dirty="0">
-                <a:ln>
-                  <a:noFill/>
-                </a:ln>
-                <a:solidFill>
-                  <a:schemeClr val="tx1"/>
-                </a:solidFill>
-                <a:effectLst/>
-                <a:uLnTx/>
-                <a:uFillTx/>
-                <a:latin typeface="+mn-lt"/>
-              </a:rPr>
-              <a:t>Alexandru</a:t>
-            </a:r>
-          </a:p>
-          <a:p>
-            <a:pPr marL="365760" marR="0" lvl="0" indent="-283464" algn="r" defTabSz="914400" rtl="0" eaLnBrk="1" fontAlgn="auto" latinLnBrk="0" hangingPunct="1">
-              <a:lnSpc>
-                <a:spcPct val="100000"/>
-              </a:lnSpc>
-              <a:spcBef>
-                <a:spcPts val="600"/>
-              </a:spcBef>
-              <a:spcAft>
-                <a:spcPts val="0"/>
-              </a:spcAft>
-              <a:buClr>
-                <a:schemeClr val="accent1"/>
-              </a:buClr>
-              <a:buSzPct val="80000"/>
-              <a:buNone/>
-              <a:tabLst/>
-              <a:defRPr/>
-            </a:pPr>
-            <a:r>
-              <a:rPr kumimoji="0" lang="ro-RO" sz="1600" b="1" i="0" u="none" strike="noStrike" kern="1200" cap="none" spc="0" normalizeH="0" baseline="0" noProof="0" dirty="0">
-                <a:ln>
-                  <a:noFill/>
-                </a:ln>
-                <a:solidFill>
-                  <a:schemeClr val="tx1"/>
-                </a:solidFill>
-                <a:effectLst/>
-                <a:uLnTx/>
-                <a:uFillTx/>
-                <a:latin typeface="+mn-lt"/>
-              </a:rPr>
-              <a:t>Tică</a:t>
-            </a:r>
-          </a:p>
-          <a:p>
-            <a:pPr marL="365760" lvl="0" indent="-283464" algn="r" fontAlgn="auto">
-              <a:lnSpc>
-                <a:spcPct val="100000"/>
-              </a:lnSpc>
-              <a:spcBef>
-                <a:spcPts val="600"/>
-              </a:spcBef>
-              <a:spcAft>
-                <a:spcPts val="0"/>
-              </a:spcAft>
-              <a:buClr>
-                <a:schemeClr val="accent1"/>
-              </a:buClr>
-              <a:buSzPct val="80000"/>
-              <a:buNone/>
-              <a:defRPr/>
-            </a:pPr>
-            <a:r>
-              <a:rPr lang="ro-RO" sz="1600" dirty="0">
-                <a:latin typeface="+mn-lt"/>
-              </a:rPr>
-              <a:t>SCCC</a:t>
-            </a:r>
-          </a:p>
-          <a:p>
-            <a:pPr marL="365760" lvl="0" indent="-283464" algn="r" fontAlgn="auto">
-              <a:lnSpc>
-                <a:spcPct val="100000"/>
-              </a:lnSpc>
-              <a:spcBef>
-                <a:spcPts val="600"/>
-              </a:spcBef>
-              <a:spcAft>
-                <a:spcPts val="0"/>
-              </a:spcAft>
-              <a:buClr>
-                <a:schemeClr val="accent1"/>
-              </a:buClr>
-              <a:buSzPct val="80000"/>
-              <a:buNone/>
-              <a:defRPr/>
-            </a:pPr>
-            <a:r>
-              <a:rPr lang="ro-RO" sz="1600" dirty="0">
-                <a:latin typeface="+mn-lt"/>
-              </a:rPr>
-              <a:t>Fits</a:t>
-            </a:r>
-          </a:p>
-        </p:txBody>
-      </p:sp>
-      <p:pic>
-        <p:nvPicPr>
-          <p:cNvPr id="18" name="Picture 17"/>
-          <p:cNvPicPr>
-            <a:picLocks noChangeAspect="1"/>
-          </p:cNvPicPr>
-          <p:nvPr/>
-        </p:nvPicPr>
-        <p:blipFill>
-          <a:blip r:embed="rId7"/>
-          <a:stretch>
-            <a:fillRect/>
-          </a:stretch>
-        </p:blipFill>
-        <p:spPr>
-          <a:xfrm>
-            <a:off x="129409" y="5105400"/>
-            <a:ext cx="1524000" cy="1524000"/>
-          </a:xfrm>
-          <a:prstGeom prst="rect">
-            <a:avLst/>
-          </a:prstGeom>
-        </p:spPr>
-      </p:pic>
-      <p:sp>
-        <p:nvSpPr>
-          <p:cNvPr id="20" name="Text Placeholder 2"/>
-          <p:cNvSpPr txBox="1">
-            <a:spLocks/>
-          </p:cNvSpPr>
-          <p:nvPr/>
-        </p:nvSpPr>
-        <p:spPr>
-          <a:xfrm>
-            <a:off x="5048488" y="4659581"/>
-            <a:ext cx="1325618" cy="1066800"/>
-          </a:xfrm>
-          <a:prstGeom prst="rect">
-            <a:avLst/>
-          </a:prstGeom>
-        </p:spPr>
-        <p:txBody>
-          <a:bodyPr>
-            <a:normAutofit/>
-          </a:bodyPr>
-          <a:lstStyle/>
-          <a:p>
-            <a:pPr marL="365760" marR="0" lvl="0" indent="-283464" algn="r" defTabSz="914400" rtl="0" eaLnBrk="1" fontAlgn="auto" latinLnBrk="0" hangingPunct="1">
-              <a:lnSpc>
-                <a:spcPct val="100000"/>
-              </a:lnSpc>
-              <a:spcBef>
-                <a:spcPts val="600"/>
-              </a:spcBef>
-              <a:spcAft>
-                <a:spcPts val="0"/>
-              </a:spcAft>
-              <a:buClr>
-                <a:schemeClr val="accent1"/>
-              </a:buClr>
-              <a:buSzPct val="80000"/>
-              <a:buNone/>
-              <a:tabLst/>
-              <a:defRPr/>
-            </a:pPr>
-            <a:r>
-              <a:rPr kumimoji="0" lang="ro-RO" sz="1600" b="1" i="0" u="none" strike="noStrike" kern="1200" cap="none" spc="0" normalizeH="0" baseline="0" noProof="0" dirty="0">
-                <a:ln>
-                  <a:noFill/>
-                </a:ln>
-                <a:solidFill>
-                  <a:schemeClr val="tx1"/>
-                </a:solidFill>
-                <a:effectLst/>
-                <a:uLnTx/>
-                <a:uFillTx/>
-                <a:latin typeface="+mn-lt"/>
-              </a:rPr>
-              <a:t>George</a:t>
-            </a:r>
-          </a:p>
-          <a:p>
-            <a:pPr marL="365760" marR="0" lvl="0" indent="-283464" algn="r" defTabSz="914400" rtl="0" eaLnBrk="1" fontAlgn="auto" latinLnBrk="0" hangingPunct="1">
-              <a:lnSpc>
-                <a:spcPct val="100000"/>
-              </a:lnSpc>
-              <a:spcBef>
-                <a:spcPts val="600"/>
-              </a:spcBef>
-              <a:spcAft>
-                <a:spcPts val="0"/>
-              </a:spcAft>
-              <a:buClr>
-                <a:schemeClr val="accent1"/>
-              </a:buClr>
-              <a:buSzPct val="80000"/>
-              <a:buNone/>
-              <a:tabLst/>
-              <a:defRPr/>
-            </a:pPr>
-            <a:r>
-              <a:rPr kumimoji="0" lang="ro-RO" sz="1600" b="1" i="0" u="none" strike="noStrike" kern="1200" cap="none" spc="0" normalizeH="0" baseline="0" noProof="0" dirty="0">
-                <a:ln>
-                  <a:noFill/>
-                </a:ln>
-                <a:solidFill>
-                  <a:schemeClr val="tx1"/>
-                </a:solidFill>
-                <a:effectLst/>
-                <a:uLnTx/>
-                <a:uFillTx/>
-                <a:latin typeface="+mn-lt"/>
-              </a:rPr>
-              <a:t>Talabă</a:t>
-            </a:r>
-          </a:p>
-          <a:p>
-            <a:pPr marL="365760" indent="-283464" algn="r" fontAlgn="auto">
-              <a:spcBef>
-                <a:spcPts val="600"/>
-              </a:spcBef>
-              <a:spcAft>
-                <a:spcPts val="0"/>
-              </a:spcAft>
-              <a:buClr>
-                <a:schemeClr val="accent1"/>
-              </a:buClr>
-              <a:buSzPct val="80000"/>
-              <a:buNone/>
-              <a:defRPr/>
-            </a:pPr>
-            <a:r>
-              <a:rPr lang="ro-RO" sz="1500" dirty="0">
-                <a:latin typeface="+mn-lt"/>
-              </a:rPr>
-              <a:t>Arezzo </a:t>
-            </a:r>
-            <a:r>
-              <a:rPr lang="ro-RO" sz="1500" dirty="0" err="1">
-                <a:latin typeface="+mn-lt"/>
-              </a:rPr>
-              <a:t>Sky</a:t>
-            </a:r>
-            <a:endParaRPr lang="ro-RO" sz="1500" dirty="0">
-              <a:latin typeface="+mn-lt"/>
-            </a:endParaRPr>
-          </a:p>
-        </p:txBody>
-      </p:sp>
-      <p:pic>
-        <p:nvPicPr>
-          <p:cNvPr id="8" name="Picture 7"/>
-          <p:cNvPicPr>
-            <a:picLocks noChangeAspect="1"/>
-          </p:cNvPicPr>
-          <p:nvPr/>
-        </p:nvPicPr>
-        <p:blipFill>
-          <a:blip r:embed="rId8"/>
-          <a:stretch>
-            <a:fillRect/>
-          </a:stretch>
-        </p:blipFill>
-        <p:spPr>
-          <a:xfrm>
-            <a:off x="3578850" y="4272973"/>
-            <a:ext cx="1775503" cy="1775503"/>
-          </a:xfrm>
-          <a:prstGeom prst="rect">
-            <a:avLst/>
-          </a:prstGeom>
-        </p:spPr>
-      </p:pic>
-      <p:sp>
-        <p:nvSpPr>
-          <p:cNvPr id="17" name="Text Placeholder 2"/>
-          <p:cNvSpPr txBox="1">
-            <a:spLocks/>
-          </p:cNvSpPr>
-          <p:nvPr/>
-        </p:nvSpPr>
-        <p:spPr>
-          <a:xfrm>
-            <a:off x="1792814" y="3359150"/>
+            <a:off x="6630132" y="1272340"/>
             <a:ext cx="2135742" cy="1168844"/>
           </a:xfrm>
           <a:prstGeom prst="rect">
@@ -6837,21 +6526,27 @@
       </p:sp>
       <p:pic>
         <p:nvPicPr>
-          <p:cNvPr id="19" name="Picture 18"/>
+          <p:cNvPr id="22" name="Picture 21">
+            <a:extLst>
+              <a:ext uri="{FF2B5EF4-FFF2-40B4-BE49-F238E27FC236}">
+                <a16:creationId xmlns:a16="http://schemas.microsoft.com/office/drawing/2014/main" id="{8206E035-8569-834A-BB1B-E627E7054E92}"/>
+              </a:ext>
+            </a:extLst>
+          </p:cNvPr>
           <p:cNvPicPr>
             <a:picLocks noChangeAspect="1"/>
           </p:cNvPicPr>
           <p:nvPr/>
         </p:nvPicPr>
         <p:blipFill>
-          <a:blip r:embed="rId9"/>
+          <a:blip r:embed="rId7"/>
           <a:stretch>
             <a:fillRect/>
           </a:stretch>
         </p:blipFill>
         <p:spPr>
           <a:xfrm>
-            <a:off x="592719" y="3280666"/>
+            <a:off x="5430037" y="1193856"/>
             <a:ext cx="1270000" cy="1270000"/>
           </a:xfrm>
           <a:prstGeom prst="rect">
@@ -6976,21 +6671,8 @@
           <a:p>
             <a:r>
               <a:rPr lang="en-US" sz="3000" dirty="0"/>
-              <a:t>Labs dedicated to real-problems solving, </a:t>
-            </a:r>
-            <a:r>
-              <a:rPr lang="en-US" sz="3000" dirty="0" err="1"/>
-              <a:t>tets</a:t>
-            </a:r>
-            <a:r>
-              <a:rPr lang="en-US" sz="3000" dirty="0"/>
-              <a:t> preparation, </a:t>
-            </a:r>
-            <a:r>
-              <a:rPr lang="en-US" sz="3000"/>
-              <a:t>team assessment and feedback</a:t>
-            </a:r>
-            <a:endParaRPr lang="en-US" sz="3000" dirty="0"/>
+              <a:t>Labs dedicated to real-problems solving, tests preparation, team assessment and feedback</a:t>
+            </a:r>
           </a:p>
         </p:txBody>
       </p:sp>
@@ -7274,14 +6956,14 @@
           <a:effectLst/>
           <a:extLst>
             <a:ext uri="{909E8E84-426E-40dd-AFC4-6F175D3DCCD1}">
-              <a14:hiddenFill xmlns="" xmlns:a14="http://schemas.microsoft.com/office/drawing/2010/main">
+              <a14:hiddenFill xmlns:a14="http://schemas.microsoft.com/office/drawing/2010/main" xmlns="">
                 <a:solidFill>
                   <a:schemeClr val="accent1"/>
                 </a:solidFill>
               </a14:hiddenFill>
             </a:ext>
             <a:ext uri="{91240B29-F687-4f45-9708-019B960494DF}">
-              <a14:hiddenLine xmlns="" xmlns:a14="http://schemas.microsoft.com/office/drawing/2010/main" w="9525">
+              <a14:hiddenLine xmlns:a14="http://schemas.microsoft.com/office/drawing/2010/main" xmlns="" w="9525">
                 <a:solidFill>
                   <a:schemeClr val="tx1"/>
                 </a:solidFill>
@@ -7291,7 +6973,7 @@
               </a14:hiddenLine>
             </a:ext>
             <a:ext uri="{AF507438-7753-43e0-B8FC-AC1667EBCBE1}">
-              <a14:hiddenEffects xmlns="" xmlns:a14="http://schemas.microsoft.com/office/drawing/2010/main">
+              <a14:hiddenEffects xmlns:a14="http://schemas.microsoft.com/office/drawing/2010/main" xmlns="">
                 <a:effectLst>
                   <a:outerShdw dist="35921" dir="2700000" algn="ctr" rotWithShape="0">
                     <a:schemeClr val="bg2"/>
